--- a/图片.pptx
+++ b/图片.pptx
@@ -248,7 +248,7 @@
           <a:p>
             <a:fld id="{673A6324-8E84-498E-8E0A-7D3B17C8CE93}" type="datetimeFigureOut">
               <a:rPr lang="zh-CN" altLang="en-US" smtClean="0"/>
-              <a:t>2021-07-13</a:t>
+              <a:t>2021/7/21</a:t>
             </a:fld>
             <a:endParaRPr lang="zh-CN" altLang="en-US"/>
           </a:p>
@@ -418,7 +418,7 @@
           <a:p>
             <a:fld id="{673A6324-8E84-498E-8E0A-7D3B17C8CE93}" type="datetimeFigureOut">
               <a:rPr lang="zh-CN" altLang="en-US" smtClean="0"/>
-              <a:t>2021-07-13</a:t>
+              <a:t>2021/7/21</a:t>
             </a:fld>
             <a:endParaRPr lang="zh-CN" altLang="en-US"/>
           </a:p>
@@ -598,7 +598,7 @@
           <a:p>
             <a:fld id="{673A6324-8E84-498E-8E0A-7D3B17C8CE93}" type="datetimeFigureOut">
               <a:rPr lang="zh-CN" altLang="en-US" smtClean="0"/>
-              <a:t>2021-07-13</a:t>
+              <a:t>2021/7/21</a:t>
             </a:fld>
             <a:endParaRPr lang="zh-CN" altLang="en-US"/>
           </a:p>
@@ -768,7 +768,7 @@
           <a:p>
             <a:fld id="{673A6324-8E84-498E-8E0A-7D3B17C8CE93}" type="datetimeFigureOut">
               <a:rPr lang="zh-CN" altLang="en-US" smtClean="0"/>
-              <a:t>2021-07-13</a:t>
+              <a:t>2021/7/21</a:t>
             </a:fld>
             <a:endParaRPr lang="zh-CN" altLang="en-US"/>
           </a:p>
@@ -1014,7 +1014,7 @@
           <a:p>
             <a:fld id="{673A6324-8E84-498E-8E0A-7D3B17C8CE93}" type="datetimeFigureOut">
               <a:rPr lang="zh-CN" altLang="en-US" smtClean="0"/>
-              <a:t>2021-07-13</a:t>
+              <a:t>2021/7/21</a:t>
             </a:fld>
             <a:endParaRPr lang="zh-CN" altLang="en-US"/>
           </a:p>
@@ -1246,7 +1246,7 @@
           <a:p>
             <a:fld id="{673A6324-8E84-498E-8E0A-7D3B17C8CE93}" type="datetimeFigureOut">
               <a:rPr lang="zh-CN" altLang="en-US" smtClean="0"/>
-              <a:t>2021-07-13</a:t>
+              <a:t>2021/7/21</a:t>
             </a:fld>
             <a:endParaRPr lang="zh-CN" altLang="en-US"/>
           </a:p>
@@ -1613,7 +1613,7 @@
           <a:p>
             <a:fld id="{673A6324-8E84-498E-8E0A-7D3B17C8CE93}" type="datetimeFigureOut">
               <a:rPr lang="zh-CN" altLang="en-US" smtClean="0"/>
-              <a:t>2021-07-13</a:t>
+              <a:t>2021/7/21</a:t>
             </a:fld>
             <a:endParaRPr lang="zh-CN" altLang="en-US"/>
           </a:p>
@@ -1731,7 +1731,7 @@
           <a:p>
             <a:fld id="{673A6324-8E84-498E-8E0A-7D3B17C8CE93}" type="datetimeFigureOut">
               <a:rPr lang="zh-CN" altLang="en-US" smtClean="0"/>
-              <a:t>2021-07-13</a:t>
+              <a:t>2021/7/21</a:t>
             </a:fld>
             <a:endParaRPr lang="zh-CN" altLang="en-US"/>
           </a:p>
@@ -1826,7 +1826,7 @@
           <a:p>
             <a:fld id="{673A6324-8E84-498E-8E0A-7D3B17C8CE93}" type="datetimeFigureOut">
               <a:rPr lang="zh-CN" altLang="en-US" smtClean="0"/>
-              <a:t>2021-07-13</a:t>
+              <a:t>2021/7/21</a:t>
             </a:fld>
             <a:endParaRPr lang="zh-CN" altLang="en-US"/>
           </a:p>
@@ -2103,7 +2103,7 @@
           <a:p>
             <a:fld id="{673A6324-8E84-498E-8E0A-7D3B17C8CE93}" type="datetimeFigureOut">
               <a:rPr lang="zh-CN" altLang="en-US" smtClean="0"/>
-              <a:t>2021-07-13</a:t>
+              <a:t>2021/7/21</a:t>
             </a:fld>
             <a:endParaRPr lang="zh-CN" altLang="en-US"/>
           </a:p>
@@ -2356,7 +2356,7 @@
           <a:p>
             <a:fld id="{673A6324-8E84-498E-8E0A-7D3B17C8CE93}" type="datetimeFigureOut">
               <a:rPr lang="zh-CN" altLang="en-US" smtClean="0"/>
-              <a:t>2021-07-13</a:t>
+              <a:t>2021/7/21</a:t>
             </a:fld>
             <a:endParaRPr lang="zh-CN" altLang="en-US"/>
           </a:p>
@@ -2569,7 +2569,7 @@
           <a:p>
             <a:fld id="{673A6324-8E84-498E-8E0A-7D3B17C8CE93}" type="datetimeFigureOut">
               <a:rPr lang="zh-CN" altLang="en-US" smtClean="0"/>
-              <a:t>2021-07-13</a:t>
+              <a:t>2021/7/21</a:t>
             </a:fld>
             <a:endParaRPr lang="zh-CN" altLang="en-US"/>
           </a:p>
@@ -3340,6 +3340,54 @@
           <a:chExt cx="0" cy="0"/>
         </a:xfrm>
       </p:grpSpPr>
+      <p:pic>
+        <p:nvPicPr>
+          <p:cNvPr id="3" name="图片 2"/>
+          <p:cNvPicPr>
+            <a:picLocks noChangeAspect="1"/>
+          </p:cNvPicPr>
+          <p:nvPr/>
+        </p:nvPicPr>
+        <p:blipFill>
+          <a:blip r:embed="rId2"/>
+          <a:stretch>
+            <a:fillRect/>
+          </a:stretch>
+        </p:blipFill>
+        <p:spPr>
+          <a:xfrm>
+            <a:off x="852853" y="2016546"/>
+            <a:ext cx="9675954" cy="2686416"/>
+          </a:xfrm>
+          <a:prstGeom prst="rect">
+            <a:avLst/>
+          </a:prstGeom>
+        </p:spPr>
+      </p:pic>
+      <p:pic>
+        <p:nvPicPr>
+          <p:cNvPr id="5" name="图片 4"/>
+          <p:cNvPicPr>
+            <a:picLocks noChangeAspect="1"/>
+          </p:cNvPicPr>
+          <p:nvPr/>
+        </p:nvPicPr>
+        <p:blipFill>
+          <a:blip r:embed="rId3"/>
+          <a:stretch>
+            <a:fillRect/>
+          </a:stretch>
+        </p:blipFill>
+        <p:spPr>
+          <a:xfrm>
+            <a:off x="2001915" y="4943866"/>
+            <a:ext cx="7203432" cy="1914134"/>
+          </a:xfrm>
+          <a:prstGeom prst="rect">
+            <a:avLst/>
+          </a:prstGeom>
+        </p:spPr>
+      </p:pic>
     </p:spTree>
     <p:extLst>
       <p:ext uri="{BB962C8B-B14F-4D97-AF65-F5344CB8AC3E}">
